--- a/INFO474 AU19 Lab 6.pptx
+++ b/INFO474 AU19 Lab 6.pptx
@@ -16,6 +16,7 @@
     <p:sldId id="261" r:id="rId11"/>
     <p:sldId id="262" r:id="rId12"/>
     <p:sldId id="263" r:id="rId13"/>
+    <p:sldId id="264" r:id="rId14"/>
   </p:sldIdLst>
   <p:sldSz cy="5143500" cx="9144000"/>
   <p:notesSz cx="6858000" cy="9144000"/>
@@ -1405,7 +1406,7 @@
       </p:grpSpPr>
       <p:sp>
         <p:nvSpPr>
-          <p:cNvPr id="93" name="Google Shape;93;g6f586b4f30_0_31:notes"/>
+          <p:cNvPr id="93" name="Google Shape;93;g6f5951f804_0_0:notes"/>
           <p:cNvSpPr/>
           <p:nvPr>
             <p:ph idx="2" type="sldImg"/>
@@ -1440,7 +1441,106 @@
       </p:sp>
       <p:sp>
         <p:nvSpPr>
-          <p:cNvPr id="94" name="Google Shape;94;g6f586b4f30_0_31:notes"/>
+          <p:cNvPr id="94" name="Google Shape;94;g6f5951f804_0_0:notes"/>
+          <p:cNvSpPr txBox="1"/>
+          <p:nvPr>
+            <p:ph idx="1" type="body"/>
+          </p:nvPr>
+        </p:nvSpPr>
+        <p:spPr>
+          <a:xfrm>
+            <a:off x="685800" y="4343400"/>
+            <a:ext cx="5486400" cy="4114800"/>
+          </a:xfrm>
+          <a:prstGeom prst="rect">
+            <a:avLst/>
+          </a:prstGeom>
+        </p:spPr>
+        <p:txBody>
+          <a:bodyPr anchorCtr="0" anchor="t" bIns="91425" lIns="91425" spcFirstLastPara="1" rIns="91425" wrap="square" tIns="91425">
+            <a:noAutofit/>
+          </a:bodyPr>
+          <a:lstStyle/>
+          <a:p>
+            <a:pPr indent="0" lvl="0" marL="0" rtl="0" algn="l">
+              <a:spcBef>
+                <a:spcPts val="0"/>
+              </a:spcBef>
+              <a:spcAft>
+                <a:spcPts val="0"/>
+              </a:spcAft>
+              <a:buNone/>
+            </a:pPr>
+            <a:r>
+              <a:t/>
+            </a:r>
+            <a:endParaRPr/>
+          </a:p>
+        </p:txBody>
+      </p:sp>
+    </p:spTree>
+  </p:cSld>
+  <p:clrMapOvr>
+    <a:masterClrMapping/>
+  </p:clrMapOvr>
+</p:notes>
+</file>
+
+<file path=ppt/notesSlides/notesSlide9.xml><?xml version="1.0" encoding="utf-8"?>
+<p:notes xmlns:a="http://schemas.openxmlformats.org/drawingml/2006/main" xmlns:r="http://schemas.openxmlformats.org/officeDocument/2006/relationships" xmlns:mc="http://schemas.openxmlformats.org/markup-compatibility/2006" xmlns:mv="urn:schemas-microsoft-com:mac:vml" xmlns:p="http://schemas.openxmlformats.org/presentationml/2006/main" xmlns:c="http://schemas.openxmlformats.org/drawingml/2006/chart" xmlns:dgm="http://schemas.openxmlformats.org/drawingml/2006/diagram" xmlns:o="urn:schemas-microsoft-com:office:office" xmlns:v="urn:schemas-microsoft-com:vml" xmlns:pvml="urn:schemas-microsoft-com:office:powerpoint" xmlns:com="http://schemas.openxmlformats.org/drawingml/2006/compatibility" xmlns:p14="http://schemas.microsoft.com/office/powerpoint/2010/main" xmlns:p15="http://schemas.microsoft.com/office/powerpoint/2012/main" showMasterPhAnim="0" showMasterSp="0">
+  <p:cSld>
+    <p:spTree>
+      <p:nvGrpSpPr>
+        <p:cNvPr id="98" name="Shape 98"/>
+        <p:cNvGrpSpPr/>
+        <p:nvPr/>
+      </p:nvGrpSpPr>
+      <p:grpSpPr>
+        <a:xfrm>
+          <a:off x="0" y="0"/>
+          <a:ext cx="0" cy="0"/>
+          <a:chOff x="0" y="0"/>
+          <a:chExt cx="0" cy="0"/>
+        </a:xfrm>
+      </p:grpSpPr>
+      <p:sp>
+        <p:nvSpPr>
+          <p:cNvPr id="99" name="Google Shape;99;g6f586b4f30_0_31:notes"/>
+          <p:cNvSpPr/>
+          <p:nvPr>
+            <p:ph idx="2" type="sldImg"/>
+          </p:nvPr>
+        </p:nvSpPr>
+        <p:spPr>
+          <a:xfrm>
+            <a:off x="381300" y="685800"/>
+            <a:ext cx="6096000" cy="3429000"/>
+          </a:xfrm>
+          <a:custGeom>
+            <a:rect b="b" l="l" r="r" t="t"/>
+            <a:pathLst>
+              <a:path extrusionOk="0" h="120000" w="120000">
+                <a:moveTo>
+                  <a:pt x="0" y="0"/>
+                </a:moveTo>
+                <a:lnTo>
+                  <a:pt x="120000" y="0"/>
+                </a:lnTo>
+                <a:lnTo>
+                  <a:pt x="120000" y="120000"/>
+                </a:lnTo>
+                <a:lnTo>
+                  <a:pt x="0" y="120000"/>
+                </a:lnTo>
+                <a:close/>
+              </a:path>
+            </a:pathLst>
+          </a:custGeom>
+        </p:spPr>
+      </p:sp>
+      <p:sp>
+        <p:nvSpPr>
+          <p:cNvPr id="100" name="Google Shape;100;g6f586b4f30_0_31:notes"/>
           <p:cNvSpPr txBox="1"/>
           <p:nvPr>
             <p:ph idx="1" type="body"/>
@@ -6902,7 +7002,7 @@
             </a:pPr>
             <a:r>
               <a:rPr lang="en"/>
-              <a:t>The enter, update, exit pattern let’s us update our data. In turn this will make it easy to transition our viz. We will also use the JavaScript setTimeout function. This function allows us to call a block of code with a specified delay time. </a:t>
+              <a:t>The enter, update, exit pattern let’s us update our data easily. In turn this will make it easy to transition our viz. We will also use the JavaScript setTimeout function. This function allows us to call a block of code with a specified delay time. </a:t>
             </a:r>
             <a:endParaRPr/>
           </a:p>
@@ -7001,7 +7101,7 @@
                 <a:spcPts val="0"/>
               </a:spcBef>
               <a:spcAft>
-                <a:spcPts val="1600"/>
+                <a:spcPts val="0"/>
               </a:spcAft>
               <a:buNone/>
             </a:pPr>
@@ -7017,6 +7117,31 @@
                 <a:hlinkClick r:id="rId3"/>
               </a:rPr>
               <a:t>https://github.com/badpickle149/info474-lab6-enter-update-exit</a:t>
+            </a:r>
+            <a:endParaRPr/>
+          </a:p>
+          <a:p>
+            <a:pPr indent="0" lvl="0" marL="0" rtl="0" algn="l">
+              <a:spcBef>
+                <a:spcPts val="1600"/>
+              </a:spcBef>
+              <a:spcAft>
+                <a:spcPts val="1600"/>
+              </a:spcAft>
+              <a:buNone/>
+            </a:pPr>
+            <a:r>
+              <a:rPr lang="en"/>
+              <a:t>Find the finished example here: </a:t>
+            </a:r>
+            <a:r>
+              <a:rPr lang="en" sz="1100" u="sng">
+                <a:solidFill>
+                  <a:schemeClr val="hlink"/>
+                </a:solidFill>
+                <a:hlinkClick r:id="rId4"/>
+              </a:rPr>
+              <a:t>https://badpickle149.github.io/info474-lab6-enter-update-exit/</a:t>
             </a:r>
             <a:endParaRPr/>
           </a:p>
@@ -7081,7 +7206,7 @@
             </a:pPr>
             <a:r>
               <a:rPr lang="en"/>
-              <a:t>Readings</a:t>
+              <a:t>Challenge: keep transitioning circles constant</a:t>
             </a:r>
             <a:endParaRPr/>
           </a:p>
@@ -7115,6 +7240,119 @@
                 <a:spcPts val="0"/>
               </a:spcBef>
               <a:spcAft>
+                <a:spcPts val="1600"/>
+              </a:spcAft>
+              <a:buNone/>
+            </a:pPr>
+            <a:r>
+              <a:rPr lang="en"/>
+              <a:t>You’ll notice that when the circles transition on my gh-pages link each circle does not </a:t>
+            </a:r>
+            <a:r>
+              <a:rPr lang="en"/>
+              <a:t>necessarily always represent the same country. A circle that used to represent the US</a:t>
+            </a:r>
+            <a:r>
+              <a:rPr lang="en"/>
+              <a:t> could be used to make a larger circle that represents China. If you want to explore more about transitions, try to write code to keep the circles constant. I.e. the circle that represents China will always represent China. Keeping your circles consistent is much better.</a:t>
+            </a:r>
+            <a:endParaRPr/>
+          </a:p>
+        </p:txBody>
+      </p:sp>
+    </p:spTree>
+  </p:cSld>
+  <p:clrMapOvr>
+    <a:masterClrMapping/>
+  </p:clrMapOvr>
+</p:sld>
+</file>
+
+<file path=ppt/slides/slide9.xml><?xml version="1.0" encoding="utf-8"?>
+<p:sld xmlns:a="http://schemas.openxmlformats.org/drawingml/2006/main" xmlns:r="http://schemas.openxmlformats.org/officeDocument/2006/relationships" xmlns:mc="http://schemas.openxmlformats.org/markup-compatibility/2006" xmlns:mv="urn:schemas-microsoft-com:mac:vml" xmlns:p="http://schemas.openxmlformats.org/presentationml/2006/main" xmlns:c="http://schemas.openxmlformats.org/drawingml/2006/chart" xmlns:dgm="http://schemas.openxmlformats.org/drawingml/2006/diagram" xmlns:o="urn:schemas-microsoft-com:office:office" xmlns:v="urn:schemas-microsoft-com:vml" xmlns:pvml="urn:schemas-microsoft-com:office:powerpoint" xmlns:com="http://schemas.openxmlformats.org/drawingml/2006/compatibility" xmlns:p14="http://schemas.microsoft.com/office/powerpoint/2010/main" xmlns:p15="http://schemas.microsoft.com/office/powerpoint/2012/main">
+  <p:cSld>
+    <p:spTree>
+      <p:nvGrpSpPr>
+        <p:cNvPr id="101" name="Shape 101"/>
+        <p:cNvGrpSpPr/>
+        <p:nvPr/>
+      </p:nvGrpSpPr>
+      <p:grpSpPr>
+        <a:xfrm>
+          <a:off x="0" y="0"/>
+          <a:ext cx="0" cy="0"/>
+          <a:chOff x="0" y="0"/>
+          <a:chExt cx="0" cy="0"/>
+        </a:xfrm>
+      </p:grpSpPr>
+      <p:sp>
+        <p:nvSpPr>
+          <p:cNvPr id="102" name="Google Shape;102;p21"/>
+          <p:cNvSpPr txBox="1"/>
+          <p:nvPr>
+            <p:ph type="title"/>
+          </p:nvPr>
+        </p:nvSpPr>
+        <p:spPr>
+          <a:xfrm>
+            <a:off x="311700" y="445025"/>
+            <a:ext cx="8520600" cy="572700"/>
+          </a:xfrm>
+          <a:prstGeom prst="rect">
+            <a:avLst/>
+          </a:prstGeom>
+        </p:spPr>
+        <p:txBody>
+          <a:bodyPr anchorCtr="0" anchor="t" bIns="91425" lIns="91425" spcFirstLastPara="1" rIns="91425" wrap="square" tIns="91425">
+            <a:noAutofit/>
+          </a:bodyPr>
+          <a:lstStyle/>
+          <a:p>
+            <a:pPr indent="0" lvl="0" marL="0" rtl="0" algn="l">
+              <a:spcBef>
+                <a:spcPts val="0"/>
+              </a:spcBef>
+              <a:spcAft>
+                <a:spcPts val="0"/>
+              </a:spcAft>
+              <a:buNone/>
+            </a:pPr>
+            <a:r>
+              <a:rPr lang="en"/>
+              <a:t>Readings</a:t>
+            </a:r>
+            <a:endParaRPr/>
+          </a:p>
+        </p:txBody>
+      </p:sp>
+      <p:sp>
+        <p:nvSpPr>
+          <p:cNvPr id="103" name="Google Shape;103;p21"/>
+          <p:cNvSpPr txBox="1"/>
+          <p:nvPr>
+            <p:ph idx="1" type="body"/>
+          </p:nvPr>
+        </p:nvSpPr>
+        <p:spPr>
+          <a:xfrm>
+            <a:off x="311700" y="1152475"/>
+            <a:ext cx="8520600" cy="3416400"/>
+          </a:xfrm>
+          <a:prstGeom prst="rect">
+            <a:avLst/>
+          </a:prstGeom>
+        </p:spPr>
+        <p:txBody>
+          <a:bodyPr anchorCtr="0" anchor="t" bIns="91425" lIns="91425" spcFirstLastPara="1" rIns="91425" wrap="square" tIns="91425">
+            <a:noAutofit/>
+          </a:bodyPr>
+          <a:lstStyle/>
+          <a:p>
+            <a:pPr indent="0" lvl="0" marL="0" rtl="0" algn="l">
+              <a:spcBef>
+                <a:spcPts val="0"/>
+              </a:spcBef>
+              <a:spcAft>
                 <a:spcPts val="0"/>
               </a:spcAft>
               <a:buNone/>
@@ -7198,6 +7436,285 @@
 </file>
 
 <file path=ppt/theme/theme1.xml><?xml version="1.0" encoding="utf-8"?>
+<a:theme xmlns:a="http://schemas.openxmlformats.org/drawingml/2006/main" xmlns:r="http://schemas.openxmlformats.org/officeDocument/2006/relationships" name="Simple Light">
+  <a:themeElements>
+    <a:clrScheme name="Simple Light">
+      <a:dk1>
+        <a:srgbClr val="000000"/>
+      </a:dk1>
+      <a:lt1>
+        <a:srgbClr val="FFFFFF"/>
+      </a:lt1>
+      <a:dk2>
+        <a:srgbClr val="595959"/>
+      </a:dk2>
+      <a:lt2>
+        <a:srgbClr val="EEEEEE"/>
+      </a:lt2>
+      <a:accent1>
+        <a:srgbClr val="FFAB40"/>
+      </a:accent1>
+      <a:accent2>
+        <a:srgbClr val="212121"/>
+      </a:accent2>
+      <a:accent3>
+        <a:srgbClr val="78909C"/>
+      </a:accent3>
+      <a:accent4>
+        <a:srgbClr val="FFAB40"/>
+      </a:accent4>
+      <a:accent5>
+        <a:srgbClr val="0097A7"/>
+      </a:accent5>
+      <a:accent6>
+        <a:srgbClr val="EEFF41"/>
+      </a:accent6>
+      <a:hlink>
+        <a:srgbClr val="0097A7"/>
+      </a:hlink>
+      <a:folHlink>
+        <a:srgbClr val="0097A7"/>
+      </a:folHlink>
+    </a:clrScheme>
+    <a:fontScheme name="Office">
+      <a:majorFont>
+        <a:latin typeface="Arial"/>
+        <a:ea typeface=""/>
+        <a:cs typeface=""/>
+        <a:font script="Jpan" typeface="ＭＳ Ｐゴシック"/>
+        <a:font script="Hang" typeface="맑은 고딕"/>
+        <a:font script="Hans" typeface="宋体"/>
+        <a:font script="Hant" typeface="新細明體"/>
+        <a:font script="Arab" typeface="Times New Roman"/>
+        <a:font script="Hebr" typeface="Times New Roman"/>
+        <a:font script="Thai" typeface="Angsana New"/>
+        <a:font script="Ethi" typeface="Nyala"/>
+        <a:font script="Beng" typeface="Vrinda"/>
+        <a:font script="Gujr" typeface="Shruti"/>
+        <a:font script="Khmr" typeface="MoolBoran"/>
+        <a:font script="Knda" typeface="Tunga"/>
+        <a:font script="Guru" typeface="Raavi"/>
+        <a:font script="Cans" typeface="Euphemia"/>
+        <a:font script="Cher" typeface="Plantagenet Cherokee"/>
+        <a:font script="Yiii" typeface="Microsoft Yi Baiti"/>
+        <a:font script="Tibt" typeface="Microsoft Himalaya"/>
+        <a:font script="Thaa" typeface="MV Boli"/>
+        <a:font script="Deva" typeface="Mangal"/>
+        <a:font script="Telu" typeface="Gautami"/>
+        <a:font script="Taml" typeface="Latha"/>
+        <a:font script="Syrc" typeface="Estrangelo Edessa"/>
+        <a:font script="Orya" typeface="Kalinga"/>
+        <a:font script="Mlym" typeface="Kartika"/>
+        <a:font script="Laoo" typeface="DokChampa"/>
+        <a:font script="Sinh" typeface="Iskoola Pota"/>
+        <a:font script="Mong" typeface="Mongolian Baiti"/>
+        <a:font script="Viet" typeface="Times New Roman"/>
+        <a:font script="Uigh" typeface="Microsoft Uighur"/>
+        <a:font script="Geor" typeface="Sylfaen"/>
+      </a:majorFont>
+      <a:minorFont>
+        <a:latin typeface="Arial"/>
+        <a:ea typeface=""/>
+        <a:cs typeface=""/>
+        <a:font script="Jpan" typeface="ＭＳ Ｐゴシック"/>
+        <a:font script="Hang" typeface="맑은 고딕"/>
+        <a:font script="Hans" typeface="宋体"/>
+        <a:font script="Hant" typeface="新細明體"/>
+        <a:font script="Arab" typeface="Arial"/>
+        <a:font script="Hebr" typeface="Arial"/>
+        <a:font script="Thai" typeface="Cordia New"/>
+        <a:font script="Ethi" typeface="Nyala"/>
+        <a:font script="Beng" typeface="Vrinda"/>
+        <a:font script="Gujr" typeface="Shruti"/>
+        <a:font script="Khmr" typeface="DaunPenh"/>
+        <a:font script="Knda" typeface="Tunga"/>
+        <a:font script="Guru" typeface="Raavi"/>
+        <a:font script="Cans" typeface="Euphemia"/>
+        <a:font script="Cher" typeface="Plantagenet Cherokee"/>
+        <a:font script="Yiii" typeface="Microsoft Yi Baiti"/>
+        <a:font script="Tibt" typeface="Microsoft Himalaya"/>
+        <a:font script="Thaa" typeface="MV Boli"/>
+        <a:font script="Deva" typeface="Mangal"/>
+        <a:font script="Telu" typeface="Gautami"/>
+        <a:font script="Taml" typeface="Latha"/>
+        <a:font script="Syrc" typeface="Estrangelo Edessa"/>
+        <a:font script="Orya" typeface="Kalinga"/>
+        <a:font script="Mlym" typeface="Kartika"/>
+        <a:font script="Laoo" typeface="DokChampa"/>
+        <a:font script="Sinh" typeface="Iskoola Pota"/>
+        <a:font script="Mong" typeface="Mongolian Baiti"/>
+        <a:font script="Viet" typeface="Arial"/>
+        <a:font script="Uigh" typeface="Microsoft Uighur"/>
+        <a:font script="Geor" typeface="Sylfaen"/>
+      </a:minorFont>
+    </a:fontScheme>
+    <a:fmtScheme name="Office">
+      <a:fillStyleLst>
+        <a:solidFill>
+          <a:schemeClr val="phClr"/>
+        </a:solidFill>
+        <a:gradFill rotWithShape="1">
+          <a:gsLst>
+            <a:gs pos="0">
+              <a:schemeClr val="phClr">
+                <a:tint val="50000"/>
+                <a:satMod val="300000"/>
+              </a:schemeClr>
+            </a:gs>
+            <a:gs pos="35000">
+              <a:schemeClr val="phClr">
+                <a:tint val="37000"/>
+                <a:satMod val="300000"/>
+              </a:schemeClr>
+            </a:gs>
+            <a:gs pos="100000">
+              <a:schemeClr val="phClr">
+                <a:tint val="15000"/>
+                <a:satMod val="350000"/>
+              </a:schemeClr>
+            </a:gs>
+          </a:gsLst>
+          <a:lin ang="16200000" scaled="1"/>
+        </a:gradFill>
+        <a:gradFill rotWithShape="1">
+          <a:gsLst>
+            <a:gs pos="0">
+              <a:schemeClr val="phClr">
+                <a:tint val="100000"/>
+                <a:shade val="100000"/>
+                <a:satMod val="130000"/>
+              </a:schemeClr>
+            </a:gs>
+            <a:gs pos="100000">
+              <a:schemeClr val="phClr">
+                <a:tint val="50000"/>
+                <a:shade val="100000"/>
+                <a:satMod val="350000"/>
+              </a:schemeClr>
+            </a:gs>
+          </a:gsLst>
+          <a:lin ang="16200000" scaled="0"/>
+        </a:gradFill>
+      </a:fillStyleLst>
+      <a:lnStyleLst>
+        <a:ln w="9525" cap="flat" cmpd="sng" algn="ctr">
+          <a:solidFill>
+            <a:schemeClr val="phClr">
+              <a:shade val="95000"/>
+              <a:satMod val="105000"/>
+            </a:schemeClr>
+          </a:solidFill>
+          <a:prstDash val="solid"/>
+        </a:ln>
+        <a:ln w="25400" cap="flat" cmpd="sng" algn="ctr">
+          <a:solidFill>
+            <a:schemeClr val="phClr"/>
+          </a:solidFill>
+          <a:prstDash val="solid"/>
+        </a:ln>
+        <a:ln w="38100" cap="flat" cmpd="sng" algn="ctr">
+          <a:solidFill>
+            <a:schemeClr val="phClr"/>
+          </a:solidFill>
+          <a:prstDash val="solid"/>
+        </a:ln>
+      </a:lnStyleLst>
+      <a:effectStyleLst>
+        <a:effectStyle>
+          <a:effectLst>
+            <a:outerShdw blurRad="40000" dist="20000" dir="5400000" rotWithShape="0">
+              <a:srgbClr val="000000">
+                <a:alpha val="38000"/>
+              </a:srgbClr>
+            </a:outerShdw>
+          </a:effectLst>
+        </a:effectStyle>
+        <a:effectStyle>
+          <a:effectLst>
+            <a:outerShdw blurRad="40000" dist="23000" dir="5400000" rotWithShape="0">
+              <a:srgbClr val="000000">
+                <a:alpha val="35000"/>
+              </a:srgbClr>
+            </a:outerShdw>
+          </a:effectLst>
+        </a:effectStyle>
+        <a:effectStyle>
+          <a:effectLst>
+            <a:outerShdw blurRad="40000" dist="23000" dir="5400000" rotWithShape="0">
+              <a:srgbClr val="000000">
+                <a:alpha val="35000"/>
+              </a:srgbClr>
+            </a:outerShdw>
+          </a:effectLst>
+          <a:scene3d>
+            <a:camera prst="orthographicFront">
+              <a:rot lat="0" lon="0" rev="0"/>
+            </a:camera>
+            <a:lightRig rig="threePt" dir="t">
+              <a:rot lat="0" lon="0" rev="1200000"/>
+            </a:lightRig>
+          </a:scene3d>
+          <a:sp3d>
+            <a:bevelT w="63500" h="25400"/>
+          </a:sp3d>
+        </a:effectStyle>
+      </a:effectStyleLst>
+      <a:bgFillStyleLst>
+        <a:solidFill>
+          <a:schemeClr val="phClr"/>
+        </a:solidFill>
+        <a:gradFill rotWithShape="1">
+          <a:gsLst>
+            <a:gs pos="0">
+              <a:schemeClr val="phClr">
+                <a:tint val="40000"/>
+                <a:satMod val="350000"/>
+              </a:schemeClr>
+            </a:gs>
+            <a:gs pos="40000">
+              <a:schemeClr val="phClr">
+                <a:tint val="45000"/>
+                <a:shade val="99000"/>
+                <a:satMod val="350000"/>
+              </a:schemeClr>
+            </a:gs>
+            <a:gs pos="100000">
+              <a:schemeClr val="phClr">
+                <a:shade val="20000"/>
+                <a:satMod val="255000"/>
+              </a:schemeClr>
+            </a:gs>
+          </a:gsLst>
+          <a:path path="circle">
+            <a:fillToRect l="50000" t="-80000" r="50000" b="180000"/>
+          </a:path>
+        </a:gradFill>
+        <a:gradFill rotWithShape="1">
+          <a:gsLst>
+            <a:gs pos="0">
+              <a:schemeClr val="phClr">
+                <a:tint val="80000"/>
+                <a:satMod val="300000"/>
+              </a:schemeClr>
+            </a:gs>
+            <a:gs pos="100000">
+              <a:schemeClr val="phClr">
+                <a:shade val="30000"/>
+                <a:satMod val="200000"/>
+              </a:schemeClr>
+            </a:gs>
+          </a:gsLst>
+          <a:path path="circle">
+            <a:fillToRect l="50000" t="50000" r="50000" b="50000"/>
+          </a:path>
+        </a:gradFill>
+      </a:bgFillStyleLst>
+    </a:fmtScheme>
+  </a:themeElements>
+</a:theme>
+</file>
+
+<file path=ppt/theme/theme2.xml><?xml version="1.0" encoding="utf-8"?>
 <a:theme xmlns:a="http://schemas.openxmlformats.org/drawingml/2006/main" xmlns:r="http://schemas.openxmlformats.org/officeDocument/2006/relationships">
   <a:themeElements>
     <a:clrScheme name="Default">
@@ -7474,283 +7991,4 @@
     </a:fmtScheme>
   </a:themeElements>
 </a:theme>
-</file>
-
-<file path=ppt/theme/theme2.xml><?xml version="1.0" encoding="utf-8"?>
-<a:theme xmlns:a="http://schemas.openxmlformats.org/drawingml/2006/main" xmlns:r="http://schemas.openxmlformats.org/officeDocument/2006/relationships" name="Simple Light">
-  <a:themeElements>
-    <a:clrScheme name="Simple Light">
-      <a:dk1>
-        <a:srgbClr val="000000"/>
-      </a:dk1>
-      <a:lt1>
-        <a:srgbClr val="FFFFFF"/>
-      </a:lt1>
-      <a:dk2>
-        <a:srgbClr val="595959"/>
-      </a:dk2>
-      <a:lt2>
-        <a:srgbClr val="EEEEEE"/>
-      </a:lt2>
-      <a:accent1>
-        <a:srgbClr val="FFAB40"/>
-      </a:accent1>
-      <a:accent2>
-        <a:srgbClr val="212121"/>
-      </a:accent2>
-      <a:accent3>
-        <a:srgbClr val="78909C"/>
-      </a:accent3>
-      <a:accent4>
-        <a:srgbClr val="FFAB40"/>
-      </a:accent4>
-      <a:accent5>
-        <a:srgbClr val="0097A7"/>
-      </a:accent5>
-      <a:accent6>
-        <a:srgbClr val="EEFF41"/>
-      </a:accent6>
-      <a:hlink>
-        <a:srgbClr val="0097A7"/>
-      </a:hlink>
-      <a:folHlink>
-        <a:srgbClr val="0097A7"/>
-      </a:folHlink>
-    </a:clrScheme>
-    <a:fontScheme name="Office">
-      <a:majorFont>
-        <a:latin typeface="Arial"/>
-        <a:ea typeface=""/>
-        <a:cs typeface=""/>
-        <a:font script="Jpan" typeface="ＭＳ Ｐゴシック"/>
-        <a:font script="Hang" typeface="맑은 고딕"/>
-        <a:font script="Hans" typeface="宋体"/>
-        <a:font script="Hant" typeface="新細明體"/>
-        <a:font script="Arab" typeface="Times New Roman"/>
-        <a:font script="Hebr" typeface="Times New Roman"/>
-        <a:font script="Thai" typeface="Angsana New"/>
-        <a:font script="Ethi" typeface="Nyala"/>
-        <a:font script="Beng" typeface="Vrinda"/>
-        <a:font script="Gujr" typeface="Shruti"/>
-        <a:font script="Khmr" typeface="MoolBoran"/>
-        <a:font script="Knda" typeface="Tunga"/>
-        <a:font script="Guru" typeface="Raavi"/>
-        <a:font script="Cans" typeface="Euphemia"/>
-        <a:font script="Cher" typeface="Plantagenet Cherokee"/>
-        <a:font script="Yiii" typeface="Microsoft Yi Baiti"/>
-        <a:font script="Tibt" typeface="Microsoft Himalaya"/>
-        <a:font script="Thaa" typeface="MV Boli"/>
-        <a:font script="Deva" typeface="Mangal"/>
-        <a:font script="Telu" typeface="Gautami"/>
-        <a:font script="Taml" typeface="Latha"/>
-        <a:font script="Syrc" typeface="Estrangelo Edessa"/>
-        <a:font script="Orya" typeface="Kalinga"/>
-        <a:font script="Mlym" typeface="Kartika"/>
-        <a:font script="Laoo" typeface="DokChampa"/>
-        <a:font script="Sinh" typeface="Iskoola Pota"/>
-        <a:font script="Mong" typeface="Mongolian Baiti"/>
-        <a:font script="Viet" typeface="Times New Roman"/>
-        <a:font script="Uigh" typeface="Microsoft Uighur"/>
-        <a:font script="Geor" typeface="Sylfaen"/>
-      </a:majorFont>
-      <a:minorFont>
-        <a:latin typeface="Arial"/>
-        <a:ea typeface=""/>
-        <a:cs typeface=""/>
-        <a:font script="Jpan" typeface="ＭＳ Ｐゴシック"/>
-        <a:font script="Hang" typeface="맑은 고딕"/>
-        <a:font script="Hans" typeface="宋体"/>
-        <a:font script="Hant" typeface="新細明體"/>
-        <a:font script="Arab" typeface="Arial"/>
-        <a:font script="Hebr" typeface="Arial"/>
-        <a:font script="Thai" typeface="Cordia New"/>
-        <a:font script="Ethi" typeface="Nyala"/>
-        <a:font script="Beng" typeface="Vrinda"/>
-        <a:font script="Gujr" typeface="Shruti"/>
-        <a:font script="Khmr" typeface="DaunPenh"/>
-        <a:font script="Knda" typeface="Tunga"/>
-        <a:font script="Guru" typeface="Raavi"/>
-        <a:font script="Cans" typeface="Euphemia"/>
-        <a:font script="Cher" typeface="Plantagenet Cherokee"/>
-        <a:font script="Yiii" typeface="Microsoft Yi Baiti"/>
-        <a:font script="Tibt" typeface="Microsoft Himalaya"/>
-        <a:font script="Thaa" typeface="MV Boli"/>
-        <a:font script="Deva" typeface="Mangal"/>
-        <a:font script="Telu" typeface="Gautami"/>
-        <a:font script="Taml" typeface="Latha"/>
-        <a:font script="Syrc" typeface="Estrangelo Edessa"/>
-        <a:font script="Orya" typeface="Kalinga"/>
-        <a:font script="Mlym" typeface="Kartika"/>
-        <a:font script="Laoo" typeface="DokChampa"/>
-        <a:font script="Sinh" typeface="Iskoola Pota"/>
-        <a:font script="Mong" typeface="Mongolian Baiti"/>
-        <a:font script="Viet" typeface="Arial"/>
-        <a:font script="Uigh" typeface="Microsoft Uighur"/>
-        <a:font script="Geor" typeface="Sylfaen"/>
-      </a:minorFont>
-    </a:fontScheme>
-    <a:fmtScheme name="Office">
-      <a:fillStyleLst>
-        <a:solidFill>
-          <a:schemeClr val="phClr"/>
-        </a:solidFill>
-        <a:gradFill rotWithShape="1">
-          <a:gsLst>
-            <a:gs pos="0">
-              <a:schemeClr val="phClr">
-                <a:tint val="50000"/>
-                <a:satMod val="300000"/>
-              </a:schemeClr>
-            </a:gs>
-            <a:gs pos="35000">
-              <a:schemeClr val="phClr">
-                <a:tint val="37000"/>
-                <a:satMod val="300000"/>
-              </a:schemeClr>
-            </a:gs>
-            <a:gs pos="100000">
-              <a:schemeClr val="phClr">
-                <a:tint val="15000"/>
-                <a:satMod val="350000"/>
-              </a:schemeClr>
-            </a:gs>
-          </a:gsLst>
-          <a:lin ang="16200000" scaled="1"/>
-        </a:gradFill>
-        <a:gradFill rotWithShape="1">
-          <a:gsLst>
-            <a:gs pos="0">
-              <a:schemeClr val="phClr">
-                <a:tint val="100000"/>
-                <a:shade val="100000"/>
-                <a:satMod val="130000"/>
-              </a:schemeClr>
-            </a:gs>
-            <a:gs pos="100000">
-              <a:schemeClr val="phClr">
-                <a:tint val="50000"/>
-                <a:shade val="100000"/>
-                <a:satMod val="350000"/>
-              </a:schemeClr>
-            </a:gs>
-          </a:gsLst>
-          <a:lin ang="16200000" scaled="0"/>
-        </a:gradFill>
-      </a:fillStyleLst>
-      <a:lnStyleLst>
-        <a:ln w="9525" cap="flat" cmpd="sng" algn="ctr">
-          <a:solidFill>
-            <a:schemeClr val="phClr">
-              <a:shade val="95000"/>
-              <a:satMod val="105000"/>
-            </a:schemeClr>
-          </a:solidFill>
-          <a:prstDash val="solid"/>
-        </a:ln>
-        <a:ln w="25400" cap="flat" cmpd="sng" algn="ctr">
-          <a:solidFill>
-            <a:schemeClr val="phClr"/>
-          </a:solidFill>
-          <a:prstDash val="solid"/>
-        </a:ln>
-        <a:ln w="38100" cap="flat" cmpd="sng" algn="ctr">
-          <a:solidFill>
-            <a:schemeClr val="phClr"/>
-          </a:solidFill>
-          <a:prstDash val="solid"/>
-        </a:ln>
-      </a:lnStyleLst>
-      <a:effectStyleLst>
-        <a:effectStyle>
-          <a:effectLst>
-            <a:outerShdw blurRad="40000" dist="20000" dir="5400000" rotWithShape="0">
-              <a:srgbClr val="000000">
-                <a:alpha val="38000"/>
-              </a:srgbClr>
-            </a:outerShdw>
-          </a:effectLst>
-        </a:effectStyle>
-        <a:effectStyle>
-          <a:effectLst>
-            <a:outerShdw blurRad="40000" dist="23000" dir="5400000" rotWithShape="0">
-              <a:srgbClr val="000000">
-                <a:alpha val="35000"/>
-              </a:srgbClr>
-            </a:outerShdw>
-          </a:effectLst>
-        </a:effectStyle>
-        <a:effectStyle>
-          <a:effectLst>
-            <a:outerShdw blurRad="40000" dist="23000" dir="5400000" rotWithShape="0">
-              <a:srgbClr val="000000">
-                <a:alpha val="35000"/>
-              </a:srgbClr>
-            </a:outerShdw>
-          </a:effectLst>
-          <a:scene3d>
-            <a:camera prst="orthographicFront">
-              <a:rot lat="0" lon="0" rev="0"/>
-            </a:camera>
-            <a:lightRig rig="threePt" dir="t">
-              <a:rot lat="0" lon="0" rev="1200000"/>
-            </a:lightRig>
-          </a:scene3d>
-          <a:sp3d>
-            <a:bevelT w="63500" h="25400"/>
-          </a:sp3d>
-        </a:effectStyle>
-      </a:effectStyleLst>
-      <a:bgFillStyleLst>
-        <a:solidFill>
-          <a:schemeClr val="phClr"/>
-        </a:solidFill>
-        <a:gradFill rotWithShape="1">
-          <a:gsLst>
-            <a:gs pos="0">
-              <a:schemeClr val="phClr">
-                <a:tint val="40000"/>
-                <a:satMod val="350000"/>
-              </a:schemeClr>
-            </a:gs>
-            <a:gs pos="40000">
-              <a:schemeClr val="phClr">
-                <a:tint val="45000"/>
-                <a:shade val="99000"/>
-                <a:satMod val="350000"/>
-              </a:schemeClr>
-            </a:gs>
-            <a:gs pos="100000">
-              <a:schemeClr val="phClr">
-                <a:shade val="20000"/>
-                <a:satMod val="255000"/>
-              </a:schemeClr>
-            </a:gs>
-          </a:gsLst>
-          <a:path path="circle">
-            <a:fillToRect l="50000" t="-80000" r="50000" b="180000"/>
-          </a:path>
-        </a:gradFill>
-        <a:gradFill rotWithShape="1">
-          <a:gsLst>
-            <a:gs pos="0">
-              <a:schemeClr val="phClr">
-                <a:tint val="80000"/>
-                <a:satMod val="300000"/>
-              </a:schemeClr>
-            </a:gs>
-            <a:gs pos="100000">
-              <a:schemeClr val="phClr">
-                <a:shade val="30000"/>
-                <a:satMod val="200000"/>
-              </a:schemeClr>
-            </a:gs>
-          </a:gsLst>
-          <a:path path="circle">
-            <a:fillToRect l="50000" t="50000" r="50000" b="50000"/>
-          </a:path>
-        </a:gradFill>
-      </a:bgFillStyleLst>
-    </a:fmtScheme>
-  </a:themeElements>
-</a:theme>
 </file>